--- a/ppt 16-9/0838.愿献一生.pptx
+++ b/ppt 16-9/0838.愿献一生.pptx
@@ -129,7 +129,7 @@
           <p:cNvPr id="2" name="标题 1">
             <a:extLst>
               <a:ext uri="{FF2B5EF4-FFF2-40B4-BE49-F238E27FC236}">
-                <a16:creationId xmlns:a16="http://schemas.microsoft.com/office/drawing/2014/main" id="{447BE4C1-8631-0F53-4E36-F9F96AFB2CFA}"/>
+                <a16:creationId xmlns:a16="http://schemas.microsoft.com/office/drawing/2014/main" id="{4B3C83B2-252D-7F32-27CF-6D71F3DDC377}"/>
               </a:ext>
             </a:extLst>
           </p:cNvPr>
@@ -166,7 +166,7 @@
           <p:cNvPr id="3" name="副标题 2">
             <a:extLst>
               <a:ext uri="{FF2B5EF4-FFF2-40B4-BE49-F238E27FC236}">
-                <a16:creationId xmlns:a16="http://schemas.microsoft.com/office/drawing/2014/main" id="{0B94AE81-C146-84A2-69AB-FA90BD3D330E}"/>
+                <a16:creationId xmlns:a16="http://schemas.microsoft.com/office/drawing/2014/main" id="{154B4604-B69E-B700-BC86-4D2D615E7A56}"/>
               </a:ext>
             </a:extLst>
           </p:cNvPr>
@@ -236,7 +236,7 @@
           <p:cNvPr id="4" name="日期占位符 3">
             <a:extLst>
               <a:ext uri="{FF2B5EF4-FFF2-40B4-BE49-F238E27FC236}">
-                <a16:creationId xmlns:a16="http://schemas.microsoft.com/office/drawing/2014/main" id="{CE292EF6-97EE-DF58-BD63-E7955D37E4AD}"/>
+                <a16:creationId xmlns:a16="http://schemas.microsoft.com/office/drawing/2014/main" id="{DBFCC408-0920-5D95-F16C-EB03FE0E8DAC}"/>
               </a:ext>
             </a:extLst>
           </p:cNvPr>
@@ -252,7 +252,7 @@
           <a:bodyPr/>
           <a:lstStyle/>
           <a:p>
-            <a:fld id="{18F4D286-24CA-4345-AB73-72F09B827D68}" type="datetimeFigureOut">
+            <a:fld id="{4025E967-BE7A-4443-AC11-82D454D775E2}" type="datetimeFigureOut">
               <a:rPr lang="zh-CN" altLang="en-US" smtClean="0"/>
               <a:t>2024/3/10</a:t>
             </a:fld>
@@ -265,7 +265,7 @@
           <p:cNvPr id="5" name="页脚占位符 4">
             <a:extLst>
               <a:ext uri="{FF2B5EF4-FFF2-40B4-BE49-F238E27FC236}">
-                <a16:creationId xmlns:a16="http://schemas.microsoft.com/office/drawing/2014/main" id="{77D3C419-399C-DC75-B210-5615E0EC814A}"/>
+                <a16:creationId xmlns:a16="http://schemas.microsoft.com/office/drawing/2014/main" id="{E262CE8F-721D-B22B-F40B-33B5BF164188}"/>
               </a:ext>
             </a:extLst>
           </p:cNvPr>
@@ -290,7 +290,7 @@
           <p:cNvPr id="6" name="灯片编号占位符 5">
             <a:extLst>
               <a:ext uri="{FF2B5EF4-FFF2-40B4-BE49-F238E27FC236}">
-                <a16:creationId xmlns:a16="http://schemas.microsoft.com/office/drawing/2014/main" id="{68FFB0D3-4067-E30F-9FFA-B9CBEBA1A1CB}"/>
+                <a16:creationId xmlns:a16="http://schemas.microsoft.com/office/drawing/2014/main" id="{E9B5B56A-4499-03C1-1674-89BE5BCE5B76}"/>
               </a:ext>
             </a:extLst>
           </p:cNvPr>
@@ -306,7 +306,7 @@
           <a:bodyPr/>
           <a:lstStyle/>
           <a:p>
-            <a:fld id="{A3F50F74-841F-46AA-A963-E77F1D7F8E0A}" type="slidenum">
+            <a:fld id="{21732C74-4EE7-4232-A9A7-2DE44F7539D1}" type="slidenum">
               <a:rPr lang="zh-CN" altLang="en-US" smtClean="0"/>
               <a:t>‹#›</a:t>
             </a:fld>
@@ -317,7 +317,7 @@
     </p:spTree>
     <p:extLst>
       <p:ext uri="{BB962C8B-B14F-4D97-AF65-F5344CB8AC3E}">
-        <p14:creationId xmlns:p14="http://schemas.microsoft.com/office/powerpoint/2010/main" val="1876801050"/>
+        <p14:creationId xmlns:p14="http://schemas.microsoft.com/office/powerpoint/2010/main" val="3513899943"/>
       </p:ext>
     </p:extLst>
   </p:cSld>
@@ -349,7 +349,7 @@
           <p:cNvPr id="2" name="标题 1">
             <a:extLst>
               <a:ext uri="{FF2B5EF4-FFF2-40B4-BE49-F238E27FC236}">
-                <a16:creationId xmlns:a16="http://schemas.microsoft.com/office/drawing/2014/main" id="{A1600A06-740F-8D62-AC73-2EACE5E5E3E1}"/>
+                <a16:creationId xmlns:a16="http://schemas.microsoft.com/office/drawing/2014/main" id="{5BE0F0C1-86D4-411F-30F1-62C52A8AF245}"/>
               </a:ext>
             </a:extLst>
           </p:cNvPr>
@@ -377,7 +377,7 @@
           <p:cNvPr id="3" name="竖排文字占位符 2">
             <a:extLst>
               <a:ext uri="{FF2B5EF4-FFF2-40B4-BE49-F238E27FC236}">
-                <a16:creationId xmlns:a16="http://schemas.microsoft.com/office/drawing/2014/main" id="{0B77CD74-5EFD-60FD-E981-2E0722ADC3F7}"/>
+                <a16:creationId xmlns:a16="http://schemas.microsoft.com/office/drawing/2014/main" id="{2816DD6B-4CF9-902F-83E2-DD7977E85D76}"/>
               </a:ext>
             </a:extLst>
           </p:cNvPr>
@@ -434,7 +434,7 @@
           <p:cNvPr id="4" name="日期占位符 3">
             <a:extLst>
               <a:ext uri="{FF2B5EF4-FFF2-40B4-BE49-F238E27FC236}">
-                <a16:creationId xmlns:a16="http://schemas.microsoft.com/office/drawing/2014/main" id="{8028152D-7610-4F44-74DC-98642543BE79}"/>
+                <a16:creationId xmlns:a16="http://schemas.microsoft.com/office/drawing/2014/main" id="{88D6F441-78FB-D4D9-2309-10D32696F2D1}"/>
               </a:ext>
             </a:extLst>
           </p:cNvPr>
@@ -450,7 +450,7 @@
           <a:bodyPr/>
           <a:lstStyle/>
           <a:p>
-            <a:fld id="{18F4D286-24CA-4345-AB73-72F09B827D68}" type="datetimeFigureOut">
+            <a:fld id="{4025E967-BE7A-4443-AC11-82D454D775E2}" type="datetimeFigureOut">
               <a:rPr lang="zh-CN" altLang="en-US" smtClean="0"/>
               <a:t>2024/3/10</a:t>
             </a:fld>
@@ -463,7 +463,7 @@
           <p:cNvPr id="5" name="页脚占位符 4">
             <a:extLst>
               <a:ext uri="{FF2B5EF4-FFF2-40B4-BE49-F238E27FC236}">
-                <a16:creationId xmlns:a16="http://schemas.microsoft.com/office/drawing/2014/main" id="{D0062839-CA1B-9B74-91BD-DB433985C2BC}"/>
+                <a16:creationId xmlns:a16="http://schemas.microsoft.com/office/drawing/2014/main" id="{823198DC-46DB-539B-14CB-C44A868F4687}"/>
               </a:ext>
             </a:extLst>
           </p:cNvPr>
@@ -488,7 +488,7 @@
           <p:cNvPr id="6" name="灯片编号占位符 5">
             <a:extLst>
               <a:ext uri="{FF2B5EF4-FFF2-40B4-BE49-F238E27FC236}">
-                <a16:creationId xmlns:a16="http://schemas.microsoft.com/office/drawing/2014/main" id="{6AFD7B75-D2B6-C7BC-1A9F-CD0D5E7A454B}"/>
+                <a16:creationId xmlns:a16="http://schemas.microsoft.com/office/drawing/2014/main" id="{EFCA4A90-21F7-1277-6AB7-99C6CB760139}"/>
               </a:ext>
             </a:extLst>
           </p:cNvPr>
@@ -504,7 +504,7 @@
           <a:bodyPr/>
           <a:lstStyle/>
           <a:p>
-            <a:fld id="{A3F50F74-841F-46AA-A963-E77F1D7F8E0A}" type="slidenum">
+            <a:fld id="{21732C74-4EE7-4232-A9A7-2DE44F7539D1}" type="slidenum">
               <a:rPr lang="zh-CN" altLang="en-US" smtClean="0"/>
               <a:t>‹#›</a:t>
             </a:fld>
@@ -515,7 +515,7 @@
     </p:spTree>
     <p:extLst>
       <p:ext uri="{BB962C8B-B14F-4D97-AF65-F5344CB8AC3E}">
-        <p14:creationId xmlns:p14="http://schemas.microsoft.com/office/powerpoint/2010/main" val="3055606881"/>
+        <p14:creationId xmlns:p14="http://schemas.microsoft.com/office/powerpoint/2010/main" val="3072867054"/>
       </p:ext>
     </p:extLst>
   </p:cSld>
@@ -547,7 +547,7 @@
           <p:cNvPr id="2" name="竖排标题 1">
             <a:extLst>
               <a:ext uri="{FF2B5EF4-FFF2-40B4-BE49-F238E27FC236}">
-                <a16:creationId xmlns:a16="http://schemas.microsoft.com/office/drawing/2014/main" id="{7C2E1FC4-99EE-DC0E-D25A-F2FB70892883}"/>
+                <a16:creationId xmlns:a16="http://schemas.microsoft.com/office/drawing/2014/main" id="{EC4D1817-143F-7E37-75FB-115AC7B31151}"/>
               </a:ext>
             </a:extLst>
           </p:cNvPr>
@@ -580,7 +580,7 @@
           <p:cNvPr id="3" name="竖排文字占位符 2">
             <a:extLst>
               <a:ext uri="{FF2B5EF4-FFF2-40B4-BE49-F238E27FC236}">
-                <a16:creationId xmlns:a16="http://schemas.microsoft.com/office/drawing/2014/main" id="{2CF9E063-DFB1-4F4B-99EA-52B8BD40D0F3}"/>
+                <a16:creationId xmlns:a16="http://schemas.microsoft.com/office/drawing/2014/main" id="{D9900D32-B247-7E99-BF10-8A6F29C61D23}"/>
               </a:ext>
             </a:extLst>
           </p:cNvPr>
@@ -642,7 +642,7 @@
           <p:cNvPr id="4" name="日期占位符 3">
             <a:extLst>
               <a:ext uri="{FF2B5EF4-FFF2-40B4-BE49-F238E27FC236}">
-                <a16:creationId xmlns:a16="http://schemas.microsoft.com/office/drawing/2014/main" id="{BEDB4CB6-2F6E-3EF7-8CBC-3550BC1B326E}"/>
+                <a16:creationId xmlns:a16="http://schemas.microsoft.com/office/drawing/2014/main" id="{D39A0E79-3C62-F389-1D43-C7AAF60D0ECD}"/>
               </a:ext>
             </a:extLst>
           </p:cNvPr>
@@ -658,7 +658,7 @@
           <a:bodyPr/>
           <a:lstStyle/>
           <a:p>
-            <a:fld id="{18F4D286-24CA-4345-AB73-72F09B827D68}" type="datetimeFigureOut">
+            <a:fld id="{4025E967-BE7A-4443-AC11-82D454D775E2}" type="datetimeFigureOut">
               <a:rPr lang="zh-CN" altLang="en-US" smtClean="0"/>
               <a:t>2024/3/10</a:t>
             </a:fld>
@@ -671,7 +671,7 @@
           <p:cNvPr id="5" name="页脚占位符 4">
             <a:extLst>
               <a:ext uri="{FF2B5EF4-FFF2-40B4-BE49-F238E27FC236}">
-                <a16:creationId xmlns:a16="http://schemas.microsoft.com/office/drawing/2014/main" id="{BF2911F1-1DC0-F9D3-06E8-0E5A8413B0F3}"/>
+                <a16:creationId xmlns:a16="http://schemas.microsoft.com/office/drawing/2014/main" id="{F5B4F5A6-D20C-6062-4381-7F6DB21052F3}"/>
               </a:ext>
             </a:extLst>
           </p:cNvPr>
@@ -696,7 +696,7 @@
           <p:cNvPr id="6" name="灯片编号占位符 5">
             <a:extLst>
               <a:ext uri="{FF2B5EF4-FFF2-40B4-BE49-F238E27FC236}">
-                <a16:creationId xmlns:a16="http://schemas.microsoft.com/office/drawing/2014/main" id="{5AAB4926-6C5C-B033-8C86-886A1CF38883}"/>
+                <a16:creationId xmlns:a16="http://schemas.microsoft.com/office/drawing/2014/main" id="{53D89838-D257-CAD5-8741-9BB90096F96B}"/>
               </a:ext>
             </a:extLst>
           </p:cNvPr>
@@ -712,7 +712,7 @@
           <a:bodyPr/>
           <a:lstStyle/>
           <a:p>
-            <a:fld id="{A3F50F74-841F-46AA-A963-E77F1D7F8E0A}" type="slidenum">
+            <a:fld id="{21732C74-4EE7-4232-A9A7-2DE44F7539D1}" type="slidenum">
               <a:rPr lang="zh-CN" altLang="en-US" smtClean="0"/>
               <a:t>‹#›</a:t>
             </a:fld>
@@ -723,7 +723,7 @@
     </p:spTree>
     <p:extLst>
       <p:ext uri="{BB962C8B-B14F-4D97-AF65-F5344CB8AC3E}">
-        <p14:creationId xmlns:p14="http://schemas.microsoft.com/office/powerpoint/2010/main" val="1526694470"/>
+        <p14:creationId xmlns:p14="http://schemas.microsoft.com/office/powerpoint/2010/main" val="3183863625"/>
       </p:ext>
     </p:extLst>
   </p:cSld>
@@ -755,7 +755,7 @@
           <p:cNvPr id="2" name="标题 1">
             <a:extLst>
               <a:ext uri="{FF2B5EF4-FFF2-40B4-BE49-F238E27FC236}">
-                <a16:creationId xmlns:a16="http://schemas.microsoft.com/office/drawing/2014/main" id="{1AA0E73D-81FB-AE6A-19B3-80F68CFA7C9B}"/>
+                <a16:creationId xmlns:a16="http://schemas.microsoft.com/office/drawing/2014/main" id="{49679E1B-C525-5DB2-1EF6-253C87D335BB}"/>
               </a:ext>
             </a:extLst>
           </p:cNvPr>
@@ -783,7 +783,7 @@
           <p:cNvPr id="3" name="内容占位符 2">
             <a:extLst>
               <a:ext uri="{FF2B5EF4-FFF2-40B4-BE49-F238E27FC236}">
-                <a16:creationId xmlns:a16="http://schemas.microsoft.com/office/drawing/2014/main" id="{CA14CBD0-E601-3944-A336-9D7A754B87A1}"/>
+                <a16:creationId xmlns:a16="http://schemas.microsoft.com/office/drawing/2014/main" id="{8A028A6A-DA9D-198D-012F-05A785F5A452}"/>
               </a:ext>
             </a:extLst>
           </p:cNvPr>
@@ -840,7 +840,7 @@
           <p:cNvPr id="4" name="日期占位符 3">
             <a:extLst>
               <a:ext uri="{FF2B5EF4-FFF2-40B4-BE49-F238E27FC236}">
-                <a16:creationId xmlns:a16="http://schemas.microsoft.com/office/drawing/2014/main" id="{EAED0115-1605-5244-9AA5-AEC194E2FFBF}"/>
+                <a16:creationId xmlns:a16="http://schemas.microsoft.com/office/drawing/2014/main" id="{97BFFCDE-B920-2040-273D-47C063D43420}"/>
               </a:ext>
             </a:extLst>
           </p:cNvPr>
@@ -856,7 +856,7 @@
           <a:bodyPr/>
           <a:lstStyle/>
           <a:p>
-            <a:fld id="{18F4D286-24CA-4345-AB73-72F09B827D68}" type="datetimeFigureOut">
+            <a:fld id="{4025E967-BE7A-4443-AC11-82D454D775E2}" type="datetimeFigureOut">
               <a:rPr lang="zh-CN" altLang="en-US" smtClean="0"/>
               <a:t>2024/3/10</a:t>
             </a:fld>
@@ -869,7 +869,7 @@
           <p:cNvPr id="5" name="页脚占位符 4">
             <a:extLst>
               <a:ext uri="{FF2B5EF4-FFF2-40B4-BE49-F238E27FC236}">
-                <a16:creationId xmlns:a16="http://schemas.microsoft.com/office/drawing/2014/main" id="{197DF9B5-3962-687B-DD26-16DBA272FC9E}"/>
+                <a16:creationId xmlns:a16="http://schemas.microsoft.com/office/drawing/2014/main" id="{2310DB82-A84F-92E2-A145-3D38DA638B3C}"/>
               </a:ext>
             </a:extLst>
           </p:cNvPr>
@@ -894,7 +894,7 @@
           <p:cNvPr id="6" name="灯片编号占位符 5">
             <a:extLst>
               <a:ext uri="{FF2B5EF4-FFF2-40B4-BE49-F238E27FC236}">
-                <a16:creationId xmlns:a16="http://schemas.microsoft.com/office/drawing/2014/main" id="{298E30EC-7839-08F8-3EC8-A05C6459BB8A}"/>
+                <a16:creationId xmlns:a16="http://schemas.microsoft.com/office/drawing/2014/main" id="{D80018DC-0F78-D51E-6EAC-312FD778A0DB}"/>
               </a:ext>
             </a:extLst>
           </p:cNvPr>
@@ -910,7 +910,7 @@
           <a:bodyPr/>
           <a:lstStyle/>
           <a:p>
-            <a:fld id="{A3F50F74-841F-46AA-A963-E77F1D7F8E0A}" type="slidenum">
+            <a:fld id="{21732C74-4EE7-4232-A9A7-2DE44F7539D1}" type="slidenum">
               <a:rPr lang="zh-CN" altLang="en-US" smtClean="0"/>
               <a:t>‹#›</a:t>
             </a:fld>
@@ -921,7 +921,7 @@
     </p:spTree>
     <p:extLst>
       <p:ext uri="{BB962C8B-B14F-4D97-AF65-F5344CB8AC3E}">
-        <p14:creationId xmlns:p14="http://schemas.microsoft.com/office/powerpoint/2010/main" val="2389143047"/>
+        <p14:creationId xmlns:p14="http://schemas.microsoft.com/office/powerpoint/2010/main" val="50078966"/>
       </p:ext>
     </p:extLst>
   </p:cSld>
@@ -953,7 +953,7 @@
           <p:cNvPr id="2" name="标题 1">
             <a:extLst>
               <a:ext uri="{FF2B5EF4-FFF2-40B4-BE49-F238E27FC236}">
-                <a16:creationId xmlns:a16="http://schemas.microsoft.com/office/drawing/2014/main" id="{B581730D-98B0-FA2E-22E3-A6EC8AE327EF}"/>
+                <a16:creationId xmlns:a16="http://schemas.microsoft.com/office/drawing/2014/main" id="{287CDCC5-E33D-B128-D9E3-C849815ACEBE}"/>
               </a:ext>
             </a:extLst>
           </p:cNvPr>
@@ -990,7 +990,7 @@
           <p:cNvPr id="3" name="文本占位符 2">
             <a:extLst>
               <a:ext uri="{FF2B5EF4-FFF2-40B4-BE49-F238E27FC236}">
-                <a16:creationId xmlns:a16="http://schemas.microsoft.com/office/drawing/2014/main" id="{05399AEC-CF56-FD19-D152-53BF72FC1375}"/>
+                <a16:creationId xmlns:a16="http://schemas.microsoft.com/office/drawing/2014/main" id="{C4F4D2E0-6341-F57C-0AA7-8C1A94DB086D}"/>
               </a:ext>
             </a:extLst>
           </p:cNvPr>
@@ -1115,7 +1115,7 @@
           <p:cNvPr id="4" name="日期占位符 3">
             <a:extLst>
               <a:ext uri="{FF2B5EF4-FFF2-40B4-BE49-F238E27FC236}">
-                <a16:creationId xmlns:a16="http://schemas.microsoft.com/office/drawing/2014/main" id="{CBC111E2-D7C5-6DFE-31E9-9B3832F0C2CC}"/>
+                <a16:creationId xmlns:a16="http://schemas.microsoft.com/office/drawing/2014/main" id="{507944BB-D121-7C56-1D78-08D7B30A65EE}"/>
               </a:ext>
             </a:extLst>
           </p:cNvPr>
@@ -1131,7 +1131,7 @@
           <a:bodyPr/>
           <a:lstStyle/>
           <a:p>
-            <a:fld id="{18F4D286-24CA-4345-AB73-72F09B827D68}" type="datetimeFigureOut">
+            <a:fld id="{4025E967-BE7A-4443-AC11-82D454D775E2}" type="datetimeFigureOut">
               <a:rPr lang="zh-CN" altLang="en-US" smtClean="0"/>
               <a:t>2024/3/10</a:t>
             </a:fld>
@@ -1144,7 +1144,7 @@
           <p:cNvPr id="5" name="页脚占位符 4">
             <a:extLst>
               <a:ext uri="{FF2B5EF4-FFF2-40B4-BE49-F238E27FC236}">
-                <a16:creationId xmlns:a16="http://schemas.microsoft.com/office/drawing/2014/main" id="{DE6E8D74-32A1-84BC-ED8E-815E0C34591E}"/>
+                <a16:creationId xmlns:a16="http://schemas.microsoft.com/office/drawing/2014/main" id="{3D1F1F18-7C23-D504-61EE-D79B22BEE607}"/>
               </a:ext>
             </a:extLst>
           </p:cNvPr>
@@ -1169,7 +1169,7 @@
           <p:cNvPr id="6" name="灯片编号占位符 5">
             <a:extLst>
               <a:ext uri="{FF2B5EF4-FFF2-40B4-BE49-F238E27FC236}">
-                <a16:creationId xmlns:a16="http://schemas.microsoft.com/office/drawing/2014/main" id="{1A504CE2-FCB4-2BE3-FCBF-95BE60F8FC3C}"/>
+                <a16:creationId xmlns:a16="http://schemas.microsoft.com/office/drawing/2014/main" id="{0B589016-1FCF-8640-0161-0F0EAA9D76C0}"/>
               </a:ext>
             </a:extLst>
           </p:cNvPr>
@@ -1185,7 +1185,7 @@
           <a:bodyPr/>
           <a:lstStyle/>
           <a:p>
-            <a:fld id="{A3F50F74-841F-46AA-A963-E77F1D7F8E0A}" type="slidenum">
+            <a:fld id="{21732C74-4EE7-4232-A9A7-2DE44F7539D1}" type="slidenum">
               <a:rPr lang="zh-CN" altLang="en-US" smtClean="0"/>
               <a:t>‹#›</a:t>
             </a:fld>
@@ -1196,7 +1196,7 @@
     </p:spTree>
     <p:extLst>
       <p:ext uri="{BB962C8B-B14F-4D97-AF65-F5344CB8AC3E}">
-        <p14:creationId xmlns:p14="http://schemas.microsoft.com/office/powerpoint/2010/main" val="3089107064"/>
+        <p14:creationId xmlns:p14="http://schemas.microsoft.com/office/powerpoint/2010/main" val="1986572193"/>
       </p:ext>
     </p:extLst>
   </p:cSld>
@@ -1228,7 +1228,7 @@
           <p:cNvPr id="2" name="标题 1">
             <a:extLst>
               <a:ext uri="{FF2B5EF4-FFF2-40B4-BE49-F238E27FC236}">
-                <a16:creationId xmlns:a16="http://schemas.microsoft.com/office/drawing/2014/main" id="{24493243-0402-2A52-BCC1-53E5ED1EB859}"/>
+                <a16:creationId xmlns:a16="http://schemas.microsoft.com/office/drawing/2014/main" id="{BB268DA4-E60E-4931-51C6-A8D6C197B1FF}"/>
               </a:ext>
             </a:extLst>
           </p:cNvPr>
@@ -1256,7 +1256,7 @@
           <p:cNvPr id="3" name="内容占位符 2">
             <a:extLst>
               <a:ext uri="{FF2B5EF4-FFF2-40B4-BE49-F238E27FC236}">
-                <a16:creationId xmlns:a16="http://schemas.microsoft.com/office/drawing/2014/main" id="{8D5CD94A-9CCD-26C6-A54D-248E4F15F1A2}"/>
+                <a16:creationId xmlns:a16="http://schemas.microsoft.com/office/drawing/2014/main" id="{2E2DA991-6D92-EF43-D8C8-EF0718863E37}"/>
               </a:ext>
             </a:extLst>
           </p:cNvPr>
@@ -1318,7 +1318,7 @@
           <p:cNvPr id="4" name="内容占位符 3">
             <a:extLst>
               <a:ext uri="{FF2B5EF4-FFF2-40B4-BE49-F238E27FC236}">
-                <a16:creationId xmlns:a16="http://schemas.microsoft.com/office/drawing/2014/main" id="{33CD17BB-24B2-1B8B-2897-AE801E812DFB}"/>
+                <a16:creationId xmlns:a16="http://schemas.microsoft.com/office/drawing/2014/main" id="{B7CFB8B8-E73C-5021-DFCF-96111AD3F4A2}"/>
               </a:ext>
             </a:extLst>
           </p:cNvPr>
@@ -1380,7 +1380,7 @@
           <p:cNvPr id="5" name="日期占位符 4">
             <a:extLst>
               <a:ext uri="{FF2B5EF4-FFF2-40B4-BE49-F238E27FC236}">
-                <a16:creationId xmlns:a16="http://schemas.microsoft.com/office/drawing/2014/main" id="{C79C8CC2-CF79-BB86-C152-9607612DA0E9}"/>
+                <a16:creationId xmlns:a16="http://schemas.microsoft.com/office/drawing/2014/main" id="{4B70FB7C-9A70-B430-D021-7E37A8039CFC}"/>
               </a:ext>
             </a:extLst>
           </p:cNvPr>
@@ -1396,7 +1396,7 @@
           <a:bodyPr/>
           <a:lstStyle/>
           <a:p>
-            <a:fld id="{18F4D286-24CA-4345-AB73-72F09B827D68}" type="datetimeFigureOut">
+            <a:fld id="{4025E967-BE7A-4443-AC11-82D454D775E2}" type="datetimeFigureOut">
               <a:rPr lang="zh-CN" altLang="en-US" smtClean="0"/>
               <a:t>2024/3/10</a:t>
             </a:fld>
@@ -1409,7 +1409,7 @@
           <p:cNvPr id="6" name="页脚占位符 5">
             <a:extLst>
               <a:ext uri="{FF2B5EF4-FFF2-40B4-BE49-F238E27FC236}">
-                <a16:creationId xmlns:a16="http://schemas.microsoft.com/office/drawing/2014/main" id="{13C65B4D-E35D-48A7-A428-DD8928422D1E}"/>
+                <a16:creationId xmlns:a16="http://schemas.microsoft.com/office/drawing/2014/main" id="{3EB5FA5D-491A-C591-48B1-2D282EE16BF1}"/>
               </a:ext>
             </a:extLst>
           </p:cNvPr>
@@ -1434,7 +1434,7 @@
           <p:cNvPr id="7" name="灯片编号占位符 6">
             <a:extLst>
               <a:ext uri="{FF2B5EF4-FFF2-40B4-BE49-F238E27FC236}">
-                <a16:creationId xmlns:a16="http://schemas.microsoft.com/office/drawing/2014/main" id="{00CF6999-FB6A-CF9F-F601-9A5A945C503B}"/>
+                <a16:creationId xmlns:a16="http://schemas.microsoft.com/office/drawing/2014/main" id="{73255367-E8C7-709F-125D-89CADD5A0875}"/>
               </a:ext>
             </a:extLst>
           </p:cNvPr>
@@ -1450,7 +1450,7 @@
           <a:bodyPr/>
           <a:lstStyle/>
           <a:p>
-            <a:fld id="{A3F50F74-841F-46AA-A963-E77F1D7F8E0A}" type="slidenum">
+            <a:fld id="{21732C74-4EE7-4232-A9A7-2DE44F7539D1}" type="slidenum">
               <a:rPr lang="zh-CN" altLang="en-US" smtClean="0"/>
               <a:t>‹#›</a:t>
             </a:fld>
@@ -1461,7 +1461,7 @@
     </p:spTree>
     <p:extLst>
       <p:ext uri="{BB962C8B-B14F-4D97-AF65-F5344CB8AC3E}">
-        <p14:creationId xmlns:p14="http://schemas.microsoft.com/office/powerpoint/2010/main" val="360898864"/>
+        <p14:creationId xmlns:p14="http://schemas.microsoft.com/office/powerpoint/2010/main" val="2361866974"/>
       </p:ext>
     </p:extLst>
   </p:cSld>
@@ -1493,7 +1493,7 @@
           <p:cNvPr id="2" name="标题 1">
             <a:extLst>
               <a:ext uri="{FF2B5EF4-FFF2-40B4-BE49-F238E27FC236}">
-                <a16:creationId xmlns:a16="http://schemas.microsoft.com/office/drawing/2014/main" id="{1813FFEB-7045-9E2A-89EE-B5F1BF77F917}"/>
+                <a16:creationId xmlns:a16="http://schemas.microsoft.com/office/drawing/2014/main" id="{21F0106E-71A0-E3DC-3FF9-8130686636FC}"/>
               </a:ext>
             </a:extLst>
           </p:cNvPr>
@@ -1526,7 +1526,7 @@
           <p:cNvPr id="3" name="文本占位符 2">
             <a:extLst>
               <a:ext uri="{FF2B5EF4-FFF2-40B4-BE49-F238E27FC236}">
-                <a16:creationId xmlns:a16="http://schemas.microsoft.com/office/drawing/2014/main" id="{D612BEDD-89D4-D08E-7A83-49770E9742A8}"/>
+                <a16:creationId xmlns:a16="http://schemas.microsoft.com/office/drawing/2014/main" id="{3AF3BAD0-4A9B-AC3B-9560-9DA80FD1DB7B}"/>
               </a:ext>
             </a:extLst>
           </p:cNvPr>
@@ -1597,7 +1597,7 @@
           <p:cNvPr id="4" name="内容占位符 3">
             <a:extLst>
               <a:ext uri="{FF2B5EF4-FFF2-40B4-BE49-F238E27FC236}">
-                <a16:creationId xmlns:a16="http://schemas.microsoft.com/office/drawing/2014/main" id="{B0C68B01-7AAD-6947-ABD3-B16321F8A6B3}"/>
+                <a16:creationId xmlns:a16="http://schemas.microsoft.com/office/drawing/2014/main" id="{8D0245FE-818B-EA0F-D957-522C3004BFD6}"/>
               </a:ext>
             </a:extLst>
           </p:cNvPr>
@@ -1659,7 +1659,7 @@
           <p:cNvPr id="5" name="文本占位符 4">
             <a:extLst>
               <a:ext uri="{FF2B5EF4-FFF2-40B4-BE49-F238E27FC236}">
-                <a16:creationId xmlns:a16="http://schemas.microsoft.com/office/drawing/2014/main" id="{1B2AF363-FAD1-061F-C2F2-4DDBE8BF0E77}"/>
+                <a16:creationId xmlns:a16="http://schemas.microsoft.com/office/drawing/2014/main" id="{E5D20306-A2FE-A0FC-596B-A3236D5991B3}"/>
               </a:ext>
             </a:extLst>
           </p:cNvPr>
@@ -1730,7 +1730,7 @@
           <p:cNvPr id="6" name="内容占位符 5">
             <a:extLst>
               <a:ext uri="{FF2B5EF4-FFF2-40B4-BE49-F238E27FC236}">
-                <a16:creationId xmlns:a16="http://schemas.microsoft.com/office/drawing/2014/main" id="{B764A72F-DE9B-AE16-F507-B16642824844}"/>
+                <a16:creationId xmlns:a16="http://schemas.microsoft.com/office/drawing/2014/main" id="{A5A4E8E0-5526-CCC7-2F8B-A4EC4D02B2B6}"/>
               </a:ext>
             </a:extLst>
           </p:cNvPr>
@@ -1792,7 +1792,7 @@
           <p:cNvPr id="7" name="日期占位符 6">
             <a:extLst>
               <a:ext uri="{FF2B5EF4-FFF2-40B4-BE49-F238E27FC236}">
-                <a16:creationId xmlns:a16="http://schemas.microsoft.com/office/drawing/2014/main" id="{2B9C0905-A528-6906-DEA8-2D7B00E47DF1}"/>
+                <a16:creationId xmlns:a16="http://schemas.microsoft.com/office/drawing/2014/main" id="{93D26902-EF1D-9892-2C39-B3EB546B1914}"/>
               </a:ext>
             </a:extLst>
           </p:cNvPr>
@@ -1808,7 +1808,7 @@
           <a:bodyPr/>
           <a:lstStyle/>
           <a:p>
-            <a:fld id="{18F4D286-24CA-4345-AB73-72F09B827D68}" type="datetimeFigureOut">
+            <a:fld id="{4025E967-BE7A-4443-AC11-82D454D775E2}" type="datetimeFigureOut">
               <a:rPr lang="zh-CN" altLang="en-US" smtClean="0"/>
               <a:t>2024/3/10</a:t>
             </a:fld>
@@ -1821,7 +1821,7 @@
           <p:cNvPr id="8" name="页脚占位符 7">
             <a:extLst>
               <a:ext uri="{FF2B5EF4-FFF2-40B4-BE49-F238E27FC236}">
-                <a16:creationId xmlns:a16="http://schemas.microsoft.com/office/drawing/2014/main" id="{CE493A15-2631-4A76-E4D8-7B006FF78459}"/>
+                <a16:creationId xmlns:a16="http://schemas.microsoft.com/office/drawing/2014/main" id="{E98760F4-F7CA-8FD0-0287-B7BADBE0E96E}"/>
               </a:ext>
             </a:extLst>
           </p:cNvPr>
@@ -1846,7 +1846,7 @@
           <p:cNvPr id="9" name="灯片编号占位符 8">
             <a:extLst>
               <a:ext uri="{FF2B5EF4-FFF2-40B4-BE49-F238E27FC236}">
-                <a16:creationId xmlns:a16="http://schemas.microsoft.com/office/drawing/2014/main" id="{0A5318EE-816D-A999-93F4-5B4DDBA350B9}"/>
+                <a16:creationId xmlns:a16="http://schemas.microsoft.com/office/drawing/2014/main" id="{2B7FB7E9-9D69-DB89-954C-3543EABB7D3A}"/>
               </a:ext>
             </a:extLst>
           </p:cNvPr>
@@ -1862,7 +1862,7 @@
           <a:bodyPr/>
           <a:lstStyle/>
           <a:p>
-            <a:fld id="{A3F50F74-841F-46AA-A963-E77F1D7F8E0A}" type="slidenum">
+            <a:fld id="{21732C74-4EE7-4232-A9A7-2DE44F7539D1}" type="slidenum">
               <a:rPr lang="zh-CN" altLang="en-US" smtClean="0"/>
               <a:t>‹#›</a:t>
             </a:fld>
@@ -1873,7 +1873,7 @@
     </p:spTree>
     <p:extLst>
       <p:ext uri="{BB962C8B-B14F-4D97-AF65-F5344CB8AC3E}">
-        <p14:creationId xmlns:p14="http://schemas.microsoft.com/office/powerpoint/2010/main" val="1346681120"/>
+        <p14:creationId xmlns:p14="http://schemas.microsoft.com/office/powerpoint/2010/main" val="3509159281"/>
       </p:ext>
     </p:extLst>
   </p:cSld>
@@ -1905,7 +1905,7 @@
           <p:cNvPr id="2" name="标题 1">
             <a:extLst>
               <a:ext uri="{FF2B5EF4-FFF2-40B4-BE49-F238E27FC236}">
-                <a16:creationId xmlns:a16="http://schemas.microsoft.com/office/drawing/2014/main" id="{93ABF364-6D0B-8592-A9F8-9643008E0EC0}"/>
+                <a16:creationId xmlns:a16="http://schemas.microsoft.com/office/drawing/2014/main" id="{0FA50C56-04E9-BAAE-C74F-6ACC8945C16B}"/>
               </a:ext>
             </a:extLst>
           </p:cNvPr>
@@ -1933,7 +1933,7 @@
           <p:cNvPr id="3" name="日期占位符 2">
             <a:extLst>
               <a:ext uri="{FF2B5EF4-FFF2-40B4-BE49-F238E27FC236}">
-                <a16:creationId xmlns:a16="http://schemas.microsoft.com/office/drawing/2014/main" id="{4E4FD345-E8E1-D8A7-DD02-274C74FE47BD}"/>
+                <a16:creationId xmlns:a16="http://schemas.microsoft.com/office/drawing/2014/main" id="{27E5793D-CAB8-97E8-A24E-91A0C52BE85C}"/>
               </a:ext>
             </a:extLst>
           </p:cNvPr>
@@ -1949,7 +1949,7 @@
           <a:bodyPr/>
           <a:lstStyle/>
           <a:p>
-            <a:fld id="{18F4D286-24CA-4345-AB73-72F09B827D68}" type="datetimeFigureOut">
+            <a:fld id="{4025E967-BE7A-4443-AC11-82D454D775E2}" type="datetimeFigureOut">
               <a:rPr lang="zh-CN" altLang="en-US" smtClean="0"/>
               <a:t>2024/3/10</a:t>
             </a:fld>
@@ -1962,7 +1962,7 @@
           <p:cNvPr id="4" name="页脚占位符 3">
             <a:extLst>
               <a:ext uri="{FF2B5EF4-FFF2-40B4-BE49-F238E27FC236}">
-                <a16:creationId xmlns:a16="http://schemas.microsoft.com/office/drawing/2014/main" id="{66B372FB-884A-DDC3-6E2F-39D33FE58F2D}"/>
+                <a16:creationId xmlns:a16="http://schemas.microsoft.com/office/drawing/2014/main" id="{3E801F5F-9BB9-7F24-2533-DFDC1CB77B95}"/>
               </a:ext>
             </a:extLst>
           </p:cNvPr>
@@ -1987,7 +1987,7 @@
           <p:cNvPr id="5" name="灯片编号占位符 4">
             <a:extLst>
               <a:ext uri="{FF2B5EF4-FFF2-40B4-BE49-F238E27FC236}">
-                <a16:creationId xmlns:a16="http://schemas.microsoft.com/office/drawing/2014/main" id="{D94AFD25-55D6-D732-4236-E02DFB686538}"/>
+                <a16:creationId xmlns:a16="http://schemas.microsoft.com/office/drawing/2014/main" id="{492066D8-1ED1-D008-9FAE-3D5C7CE2BB8E}"/>
               </a:ext>
             </a:extLst>
           </p:cNvPr>
@@ -2003,7 +2003,7 @@
           <a:bodyPr/>
           <a:lstStyle/>
           <a:p>
-            <a:fld id="{A3F50F74-841F-46AA-A963-E77F1D7F8E0A}" type="slidenum">
+            <a:fld id="{21732C74-4EE7-4232-A9A7-2DE44F7539D1}" type="slidenum">
               <a:rPr lang="zh-CN" altLang="en-US" smtClean="0"/>
               <a:t>‹#›</a:t>
             </a:fld>
@@ -2014,7 +2014,7 @@
     </p:spTree>
     <p:extLst>
       <p:ext uri="{BB962C8B-B14F-4D97-AF65-F5344CB8AC3E}">
-        <p14:creationId xmlns:p14="http://schemas.microsoft.com/office/powerpoint/2010/main" val="3897929206"/>
+        <p14:creationId xmlns:p14="http://schemas.microsoft.com/office/powerpoint/2010/main" val="4126785554"/>
       </p:ext>
     </p:extLst>
   </p:cSld>
@@ -2046,7 +2046,7 @@
           <p:cNvPr id="2" name="日期占位符 1">
             <a:extLst>
               <a:ext uri="{FF2B5EF4-FFF2-40B4-BE49-F238E27FC236}">
-                <a16:creationId xmlns:a16="http://schemas.microsoft.com/office/drawing/2014/main" id="{1BD9BDE2-B0CF-EF82-57CA-AE4904F4D139}"/>
+                <a16:creationId xmlns:a16="http://schemas.microsoft.com/office/drawing/2014/main" id="{90977729-55A3-67F2-63DC-6E9BD05754D2}"/>
               </a:ext>
             </a:extLst>
           </p:cNvPr>
@@ -2062,7 +2062,7 @@
           <a:bodyPr/>
           <a:lstStyle/>
           <a:p>
-            <a:fld id="{18F4D286-24CA-4345-AB73-72F09B827D68}" type="datetimeFigureOut">
+            <a:fld id="{4025E967-BE7A-4443-AC11-82D454D775E2}" type="datetimeFigureOut">
               <a:rPr lang="zh-CN" altLang="en-US" smtClean="0"/>
               <a:t>2024/3/10</a:t>
             </a:fld>
@@ -2075,7 +2075,7 @@
           <p:cNvPr id="3" name="页脚占位符 2">
             <a:extLst>
               <a:ext uri="{FF2B5EF4-FFF2-40B4-BE49-F238E27FC236}">
-                <a16:creationId xmlns:a16="http://schemas.microsoft.com/office/drawing/2014/main" id="{4CEBBE7D-8B88-3FEE-D073-ABCA2B33747D}"/>
+                <a16:creationId xmlns:a16="http://schemas.microsoft.com/office/drawing/2014/main" id="{16DA7A0A-ED81-719E-3B1C-BF391569F543}"/>
               </a:ext>
             </a:extLst>
           </p:cNvPr>
@@ -2100,7 +2100,7 @@
           <p:cNvPr id="4" name="灯片编号占位符 3">
             <a:extLst>
               <a:ext uri="{FF2B5EF4-FFF2-40B4-BE49-F238E27FC236}">
-                <a16:creationId xmlns:a16="http://schemas.microsoft.com/office/drawing/2014/main" id="{7346FCB4-7869-C891-99BE-E1F7836BB238}"/>
+                <a16:creationId xmlns:a16="http://schemas.microsoft.com/office/drawing/2014/main" id="{84BA2FDD-6534-E6C2-F68E-9C64B99C5AD3}"/>
               </a:ext>
             </a:extLst>
           </p:cNvPr>
@@ -2116,7 +2116,7 @@
           <a:bodyPr/>
           <a:lstStyle/>
           <a:p>
-            <a:fld id="{A3F50F74-841F-46AA-A963-E77F1D7F8E0A}" type="slidenum">
+            <a:fld id="{21732C74-4EE7-4232-A9A7-2DE44F7539D1}" type="slidenum">
               <a:rPr lang="zh-CN" altLang="en-US" smtClean="0"/>
               <a:t>‹#›</a:t>
             </a:fld>
@@ -2127,7 +2127,7 @@
     </p:spTree>
     <p:extLst>
       <p:ext uri="{BB962C8B-B14F-4D97-AF65-F5344CB8AC3E}">
-        <p14:creationId xmlns:p14="http://schemas.microsoft.com/office/powerpoint/2010/main" val="1745097614"/>
+        <p14:creationId xmlns:p14="http://schemas.microsoft.com/office/powerpoint/2010/main" val="1703490970"/>
       </p:ext>
     </p:extLst>
   </p:cSld>
@@ -2159,7 +2159,7 @@
           <p:cNvPr id="2" name="标题 1">
             <a:extLst>
               <a:ext uri="{FF2B5EF4-FFF2-40B4-BE49-F238E27FC236}">
-                <a16:creationId xmlns:a16="http://schemas.microsoft.com/office/drawing/2014/main" id="{374926A8-1085-7BA0-7AA1-502E95858681}"/>
+                <a16:creationId xmlns:a16="http://schemas.microsoft.com/office/drawing/2014/main" id="{A981FFBA-6E6D-AC8A-1AFC-5E6E12F6B8ED}"/>
               </a:ext>
             </a:extLst>
           </p:cNvPr>
@@ -2196,7 +2196,7 @@
           <p:cNvPr id="3" name="内容占位符 2">
             <a:extLst>
               <a:ext uri="{FF2B5EF4-FFF2-40B4-BE49-F238E27FC236}">
-                <a16:creationId xmlns:a16="http://schemas.microsoft.com/office/drawing/2014/main" id="{B0C298C2-81D3-493F-B9D4-1C54E81E44A3}"/>
+                <a16:creationId xmlns:a16="http://schemas.microsoft.com/office/drawing/2014/main" id="{29DB6935-BD4E-CFC0-986E-D03920AF2FC8}"/>
               </a:ext>
             </a:extLst>
           </p:cNvPr>
@@ -2286,7 +2286,7 @@
           <p:cNvPr id="4" name="文本占位符 3">
             <a:extLst>
               <a:ext uri="{FF2B5EF4-FFF2-40B4-BE49-F238E27FC236}">
-                <a16:creationId xmlns:a16="http://schemas.microsoft.com/office/drawing/2014/main" id="{9F641C1B-FF44-9F97-544C-CE13F5946735}"/>
+                <a16:creationId xmlns:a16="http://schemas.microsoft.com/office/drawing/2014/main" id="{8949C0DA-242F-F3B2-F546-47886EB4E9EC}"/>
               </a:ext>
             </a:extLst>
           </p:cNvPr>
@@ -2357,7 +2357,7 @@
           <p:cNvPr id="5" name="日期占位符 4">
             <a:extLst>
               <a:ext uri="{FF2B5EF4-FFF2-40B4-BE49-F238E27FC236}">
-                <a16:creationId xmlns:a16="http://schemas.microsoft.com/office/drawing/2014/main" id="{9ADBF7A5-757E-D8E0-274C-5262404CBA00}"/>
+                <a16:creationId xmlns:a16="http://schemas.microsoft.com/office/drawing/2014/main" id="{EE119AC0-6457-AECC-5696-DEFFBDEA6389}"/>
               </a:ext>
             </a:extLst>
           </p:cNvPr>
@@ -2373,7 +2373,7 @@
           <a:bodyPr/>
           <a:lstStyle/>
           <a:p>
-            <a:fld id="{18F4D286-24CA-4345-AB73-72F09B827D68}" type="datetimeFigureOut">
+            <a:fld id="{4025E967-BE7A-4443-AC11-82D454D775E2}" type="datetimeFigureOut">
               <a:rPr lang="zh-CN" altLang="en-US" smtClean="0"/>
               <a:t>2024/3/10</a:t>
             </a:fld>
@@ -2386,7 +2386,7 @@
           <p:cNvPr id="6" name="页脚占位符 5">
             <a:extLst>
               <a:ext uri="{FF2B5EF4-FFF2-40B4-BE49-F238E27FC236}">
-                <a16:creationId xmlns:a16="http://schemas.microsoft.com/office/drawing/2014/main" id="{645CB96F-FDEC-D6DB-4C63-0BB5EC8AC1EB}"/>
+                <a16:creationId xmlns:a16="http://schemas.microsoft.com/office/drawing/2014/main" id="{E1C69667-6250-D003-8213-56C8ED6FE2F5}"/>
               </a:ext>
             </a:extLst>
           </p:cNvPr>
@@ -2411,7 +2411,7 @@
           <p:cNvPr id="7" name="灯片编号占位符 6">
             <a:extLst>
               <a:ext uri="{FF2B5EF4-FFF2-40B4-BE49-F238E27FC236}">
-                <a16:creationId xmlns:a16="http://schemas.microsoft.com/office/drawing/2014/main" id="{79852F5C-BE6F-290B-C80E-8ECC2A159DF6}"/>
+                <a16:creationId xmlns:a16="http://schemas.microsoft.com/office/drawing/2014/main" id="{D783AFAD-9B04-BB92-1B03-D0A26AB16B18}"/>
               </a:ext>
             </a:extLst>
           </p:cNvPr>
@@ -2427,7 +2427,7 @@
           <a:bodyPr/>
           <a:lstStyle/>
           <a:p>
-            <a:fld id="{A3F50F74-841F-46AA-A963-E77F1D7F8E0A}" type="slidenum">
+            <a:fld id="{21732C74-4EE7-4232-A9A7-2DE44F7539D1}" type="slidenum">
               <a:rPr lang="zh-CN" altLang="en-US" smtClean="0"/>
               <a:t>‹#›</a:t>
             </a:fld>
@@ -2438,7 +2438,7 @@
     </p:spTree>
     <p:extLst>
       <p:ext uri="{BB962C8B-B14F-4D97-AF65-F5344CB8AC3E}">
-        <p14:creationId xmlns:p14="http://schemas.microsoft.com/office/powerpoint/2010/main" val="4153130856"/>
+        <p14:creationId xmlns:p14="http://schemas.microsoft.com/office/powerpoint/2010/main" val="2780965811"/>
       </p:ext>
     </p:extLst>
   </p:cSld>
@@ -2470,7 +2470,7 @@
           <p:cNvPr id="2" name="标题 1">
             <a:extLst>
               <a:ext uri="{FF2B5EF4-FFF2-40B4-BE49-F238E27FC236}">
-                <a16:creationId xmlns:a16="http://schemas.microsoft.com/office/drawing/2014/main" id="{5B5FF782-C4AE-0156-12B7-52CD7D6E7581}"/>
+                <a16:creationId xmlns:a16="http://schemas.microsoft.com/office/drawing/2014/main" id="{833F6C86-92DC-712F-7587-4461BF4AEBAA}"/>
               </a:ext>
             </a:extLst>
           </p:cNvPr>
@@ -2507,7 +2507,7 @@
           <p:cNvPr id="3" name="图片占位符 2">
             <a:extLst>
               <a:ext uri="{FF2B5EF4-FFF2-40B4-BE49-F238E27FC236}">
-                <a16:creationId xmlns:a16="http://schemas.microsoft.com/office/drawing/2014/main" id="{C3A96C12-3249-C73C-DF44-2035AEC272AA}"/>
+                <a16:creationId xmlns:a16="http://schemas.microsoft.com/office/drawing/2014/main" id="{A01CA271-65E9-0C08-D99D-B107E5A70050}"/>
               </a:ext>
             </a:extLst>
           </p:cNvPr>
@@ -2574,7 +2574,7 @@
           <p:cNvPr id="4" name="文本占位符 3">
             <a:extLst>
               <a:ext uri="{FF2B5EF4-FFF2-40B4-BE49-F238E27FC236}">
-                <a16:creationId xmlns:a16="http://schemas.microsoft.com/office/drawing/2014/main" id="{570EDC5A-5E86-A5AA-E554-ECFD0DB74CA1}"/>
+                <a16:creationId xmlns:a16="http://schemas.microsoft.com/office/drawing/2014/main" id="{06461083-4EB1-C268-F799-08A9F3312CFE}"/>
               </a:ext>
             </a:extLst>
           </p:cNvPr>
@@ -2645,7 +2645,7 @@
           <p:cNvPr id="5" name="日期占位符 4">
             <a:extLst>
               <a:ext uri="{FF2B5EF4-FFF2-40B4-BE49-F238E27FC236}">
-                <a16:creationId xmlns:a16="http://schemas.microsoft.com/office/drawing/2014/main" id="{11209C7C-080A-5139-4282-AA36F2B961ED}"/>
+                <a16:creationId xmlns:a16="http://schemas.microsoft.com/office/drawing/2014/main" id="{39A8674D-3F49-C1EC-17BF-E9C69651C09A}"/>
               </a:ext>
             </a:extLst>
           </p:cNvPr>
@@ -2661,7 +2661,7 @@
           <a:bodyPr/>
           <a:lstStyle/>
           <a:p>
-            <a:fld id="{18F4D286-24CA-4345-AB73-72F09B827D68}" type="datetimeFigureOut">
+            <a:fld id="{4025E967-BE7A-4443-AC11-82D454D775E2}" type="datetimeFigureOut">
               <a:rPr lang="zh-CN" altLang="en-US" smtClean="0"/>
               <a:t>2024/3/10</a:t>
             </a:fld>
@@ -2674,7 +2674,7 @@
           <p:cNvPr id="6" name="页脚占位符 5">
             <a:extLst>
               <a:ext uri="{FF2B5EF4-FFF2-40B4-BE49-F238E27FC236}">
-                <a16:creationId xmlns:a16="http://schemas.microsoft.com/office/drawing/2014/main" id="{164E1FFB-F06A-8A67-204A-DAF0E2D849B5}"/>
+                <a16:creationId xmlns:a16="http://schemas.microsoft.com/office/drawing/2014/main" id="{1A562566-927B-E995-70B9-FC9B9F9F67B7}"/>
               </a:ext>
             </a:extLst>
           </p:cNvPr>
@@ -2699,7 +2699,7 @@
           <p:cNvPr id="7" name="灯片编号占位符 6">
             <a:extLst>
               <a:ext uri="{FF2B5EF4-FFF2-40B4-BE49-F238E27FC236}">
-                <a16:creationId xmlns:a16="http://schemas.microsoft.com/office/drawing/2014/main" id="{2FA69EBA-64BD-7502-CA26-CAFAE59EA658}"/>
+                <a16:creationId xmlns:a16="http://schemas.microsoft.com/office/drawing/2014/main" id="{26C70290-A55D-3189-806A-AA65879DA3EE}"/>
               </a:ext>
             </a:extLst>
           </p:cNvPr>
@@ -2715,7 +2715,7 @@
           <a:bodyPr/>
           <a:lstStyle/>
           <a:p>
-            <a:fld id="{A3F50F74-841F-46AA-A963-E77F1D7F8E0A}" type="slidenum">
+            <a:fld id="{21732C74-4EE7-4232-A9A7-2DE44F7539D1}" type="slidenum">
               <a:rPr lang="zh-CN" altLang="en-US" smtClean="0"/>
               <a:t>‹#›</a:t>
             </a:fld>
@@ -2726,7 +2726,7 @@
     </p:spTree>
     <p:extLst>
       <p:ext uri="{BB962C8B-B14F-4D97-AF65-F5344CB8AC3E}">
-        <p14:creationId xmlns:p14="http://schemas.microsoft.com/office/powerpoint/2010/main" val="4240573777"/>
+        <p14:creationId xmlns:p14="http://schemas.microsoft.com/office/powerpoint/2010/main" val="4283594029"/>
       </p:ext>
     </p:extLst>
   </p:cSld>
@@ -2763,7 +2763,7 @@
           <p:cNvPr id="2" name="标题占位符 1">
             <a:extLst>
               <a:ext uri="{FF2B5EF4-FFF2-40B4-BE49-F238E27FC236}">
-                <a16:creationId xmlns:a16="http://schemas.microsoft.com/office/drawing/2014/main" id="{B2921345-A3E1-DB37-7B24-EE0536C80891}"/>
+                <a16:creationId xmlns:a16="http://schemas.microsoft.com/office/drawing/2014/main" id="{F3233856-D772-7159-CB0E-F083B126A325}"/>
               </a:ext>
             </a:extLst>
           </p:cNvPr>
@@ -2801,7 +2801,7 @@
           <p:cNvPr id="3" name="文本占位符 2">
             <a:extLst>
               <a:ext uri="{FF2B5EF4-FFF2-40B4-BE49-F238E27FC236}">
-                <a16:creationId xmlns:a16="http://schemas.microsoft.com/office/drawing/2014/main" id="{16CBD839-7A44-0EF2-77F1-F8141A9AF0F3}"/>
+                <a16:creationId xmlns:a16="http://schemas.microsoft.com/office/drawing/2014/main" id="{7CED01E1-C811-73FE-5A41-2BA95A26D263}"/>
               </a:ext>
             </a:extLst>
           </p:cNvPr>
@@ -2868,7 +2868,7 @@
           <p:cNvPr id="4" name="日期占位符 3">
             <a:extLst>
               <a:ext uri="{FF2B5EF4-FFF2-40B4-BE49-F238E27FC236}">
-                <a16:creationId xmlns:a16="http://schemas.microsoft.com/office/drawing/2014/main" id="{A36C470F-6EC5-B370-9A8D-B67751E4DE67}"/>
+                <a16:creationId xmlns:a16="http://schemas.microsoft.com/office/drawing/2014/main" id="{02CABBCE-1CAC-7E7F-17FA-37E159B5AB7E}"/>
               </a:ext>
             </a:extLst>
           </p:cNvPr>
@@ -2902,7 +2902,7 @@
             </a:lvl1pPr>
           </a:lstStyle>
           <a:p>
-            <a:fld id="{18F4D286-24CA-4345-AB73-72F09B827D68}" type="datetimeFigureOut">
+            <a:fld id="{4025E967-BE7A-4443-AC11-82D454D775E2}" type="datetimeFigureOut">
               <a:rPr lang="zh-CN" altLang="en-US" smtClean="0"/>
               <a:t>2024/3/10</a:t>
             </a:fld>
@@ -2915,7 +2915,7 @@
           <p:cNvPr id="5" name="页脚占位符 4">
             <a:extLst>
               <a:ext uri="{FF2B5EF4-FFF2-40B4-BE49-F238E27FC236}">
-                <a16:creationId xmlns:a16="http://schemas.microsoft.com/office/drawing/2014/main" id="{1D3A133D-FDBA-5558-C2FD-5BB7280C5AC7}"/>
+                <a16:creationId xmlns:a16="http://schemas.microsoft.com/office/drawing/2014/main" id="{24E22E36-45D4-0160-437C-E5BBCBA9F26E}"/>
               </a:ext>
             </a:extLst>
           </p:cNvPr>
@@ -2958,7 +2958,7 @@
           <p:cNvPr id="6" name="灯片编号占位符 5">
             <a:extLst>
               <a:ext uri="{FF2B5EF4-FFF2-40B4-BE49-F238E27FC236}">
-                <a16:creationId xmlns:a16="http://schemas.microsoft.com/office/drawing/2014/main" id="{CC3D933A-8024-2323-DBE6-083AF6FEDA5E}"/>
+                <a16:creationId xmlns:a16="http://schemas.microsoft.com/office/drawing/2014/main" id="{B31700C1-854C-83FA-1D41-3830A4FC34A1}"/>
               </a:ext>
             </a:extLst>
           </p:cNvPr>
@@ -2992,7 +2992,7 @@
             </a:lvl1pPr>
           </a:lstStyle>
           <a:p>
-            <a:fld id="{A3F50F74-841F-46AA-A963-E77F1D7F8E0A}" type="slidenum">
+            <a:fld id="{21732C74-4EE7-4232-A9A7-2DE44F7539D1}" type="slidenum">
               <a:rPr lang="zh-CN" altLang="en-US" smtClean="0"/>
               <a:t>‹#›</a:t>
             </a:fld>
@@ -3003,7 +3003,7 @@
     </p:spTree>
     <p:extLst>
       <p:ext uri="{BB962C8B-B14F-4D97-AF65-F5344CB8AC3E}">
-        <p14:creationId xmlns:p14="http://schemas.microsoft.com/office/powerpoint/2010/main" val="3573433054"/>
+        <p14:creationId xmlns:p14="http://schemas.microsoft.com/office/powerpoint/2010/main" val="4026599369"/>
       </p:ext>
     </p:extLst>
   </p:cSld>
